--- a/DOCUMENTS/Presentation.pptx
+++ b/DOCUMENTS/Presentation.pptx
@@ -5,16 +5,18 @@
     <p:sldMasterId id="2147483648" r:id="rId1"/>
   </p:sldMasterIdLst>
   <p:notesMasterIdLst>
-    <p:notesMasterId r:id="rId9"/>
+    <p:notesMasterId r:id="rId11"/>
   </p:notesMasterIdLst>
   <p:sldIdLst>
     <p:sldId id="256" r:id="rId2"/>
     <p:sldId id="257" r:id="rId3"/>
     <p:sldId id="258" r:id="rId4"/>
     <p:sldId id="259" r:id="rId5"/>
-    <p:sldId id="260" r:id="rId6"/>
-    <p:sldId id="261" r:id="rId7"/>
-    <p:sldId id="262" r:id="rId8"/>
+    <p:sldId id="263" r:id="rId6"/>
+    <p:sldId id="264" r:id="rId7"/>
+    <p:sldId id="260" r:id="rId8"/>
+    <p:sldId id="261" r:id="rId9"/>
+    <p:sldId id="262" r:id="rId10"/>
   </p:sldIdLst>
   <p:sldSz cx="14630400" cy="8229600"/>
   <p:notesSz cx="8229600" cy="14630400"/>
@@ -656,7 +658,7 @@
           <a:p>
             <a:fld id="{F7021451-1387-4CA6-816F-3879F97B5CBC}" type="slidenum">
               <a:rPr lang="en-US"/>
-              <a:t>5</a:t>
+              <a:t>7</a:t>
             </a:fld>
             <a:endParaRPr lang="en-US"/>
           </a:p>
@@ -740,7 +742,7 @@
           <a:p>
             <a:fld id="{F7021451-1387-4CA6-816F-3879F97B5CBC}" type="slidenum">
               <a:rPr lang="en-US"/>
-              <a:t>6</a:t>
+              <a:t>8</a:t>
             </a:fld>
             <a:endParaRPr lang="en-US"/>
           </a:p>
@@ -824,7 +826,7 @@
           <a:p>
             <a:fld id="{F7021451-1387-4CA6-816F-3879F97B5CBC}" type="slidenum">
               <a:rPr lang="en-US"/>
-              <a:t>7</a:t>
+              <a:t>9</a:t>
             </a:fld>
             <a:endParaRPr lang="en-US"/>
           </a:p>
@@ -1261,18 +1263,7 @@
                 <a:ea typeface="Montserrat" pitchFamily="34" charset="-122"/>
                 <a:cs typeface="Montserrat" pitchFamily="34" charset="-120"/>
               </a:rPr>
-              <a:t>Money Manager: Intuitive Financial Management for </a:t>
-            </a:r>
-            <a:r>
-              <a:rPr lang="en-US" sz="5249" dirty="0" smtClean="0">
-                <a:solidFill>
-                  <a:srgbClr val="F2F0F4"/>
-                </a:solidFill>
-                <a:latin typeface="Montserrat" pitchFamily="34" charset="0"/>
-                <a:ea typeface="Montserrat" pitchFamily="34" charset="-122"/>
-                <a:cs typeface="Montserrat" pitchFamily="34" charset="-120"/>
-              </a:rPr>
-              <a:t>Everyone</a:t>
+              <a:t>Money Manager: Intuitive Financial Management for Everyone</a:t>
             </a:r>
             <a:endParaRPr lang="en-US" sz="5249" dirty="0"/>
           </a:p>
@@ -1345,13 +1336,6 @@
   <p:clrMapOvr>
     <a:masterClrMapping/>
   </p:clrMapOvr>
-  <p:timing>
-    <p:tnLst>
-      <p:par>
-        <p:cTn id="1" dur="indefinite" restart="never" nodeType="tmRoot"/>
-      </p:par>
-    </p:tnLst>
-  </p:timing>
 </p:sld>
 </file>
 
@@ -1404,7 +1388,7 @@
         </p:nvSpPr>
         <p:spPr>
           <a:xfrm>
-            <a:off x="-124" y="0"/>
+            <a:off x="0" y="86061"/>
             <a:ext cx="14630400" cy="8241983"/>
           </a:xfrm>
           <a:prstGeom prst="rect">
@@ -1424,6 +1408,13 @@
             <a:prstDash val="solid"/>
           </a:ln>
         </p:spPr>
+        <p:txBody>
+          <a:bodyPr/>
+          <a:lstStyle/>
+          <a:p>
+            <a:endParaRPr lang="uk-UA" dirty="0"/>
+          </a:p>
+        </p:txBody>
       </p:sp>
       <p:sp>
         <p:nvSpPr>
@@ -1793,27 +1784,7 @@
                 <a:latin typeface="Montserrat"/>
                 <a:ea typeface="Montserrat"/>
               </a:rPr>
-              <a:t>P</a:t>
-            </a:r>
-            <a:r>
-              <a:rPr lang="en-US" sz="3500" dirty="0" smtClean="0">
-                <a:solidFill>
-                  <a:schemeClr val="bg1"/>
-                </a:solidFill>
-                <a:latin typeface="Montserrat"/>
-                <a:ea typeface="Montserrat"/>
-              </a:rPr>
-              <a:t>roblem </a:t>
-            </a:r>
-            <a:r>
-              <a:rPr lang="en-US" sz="3500" dirty="0">
-                <a:solidFill>
-                  <a:schemeClr val="bg1"/>
-                </a:solidFill>
-                <a:latin typeface="Montserrat"/>
-                <a:ea typeface="Montserrat"/>
-              </a:rPr>
-              <a:t>solving</a:t>
+              <a:t>Problem solving</a:t>
             </a:r>
             <a:endParaRPr lang="uk-UA" sz="3500" dirty="0">
               <a:solidFill>
@@ -2072,13 +2043,6 @@
   <p:clrMapOvr>
     <a:masterClrMapping/>
   </p:clrMapOvr>
-  <p:timing>
-    <p:tnLst>
-      <p:par>
-        <p:cTn id="1" dur="indefinite" restart="never" nodeType="tmRoot"/>
-      </p:par>
-    </p:tnLst>
-  </p:timing>
 </p:sld>
 </file>
 
@@ -2233,10 +2197,10 @@
                 <a:ea typeface="Montserrat" pitchFamily="34" charset="-122"/>
                 <a:cs typeface="Montserrat" pitchFamily="34" charset="-120"/>
               </a:rPr>
-              <a:t>B</a:t>
-            </a:r>
-            <a:r>
-              <a:rPr lang="en-US" sz="4374" dirty="0" smtClean="0">
+              <a:t>Basic requirements for the</a:t>
+            </a:r>
+            <a:r>
+              <a:rPr lang="uk-UA" sz="4374" dirty="0">
                 <a:solidFill>
                   <a:srgbClr val="F2F0F4"/>
                 </a:solidFill>
@@ -2244,43 +2208,10 @@
                 <a:ea typeface="Montserrat" pitchFamily="34" charset="-122"/>
                 <a:cs typeface="Montserrat" pitchFamily="34" charset="-120"/>
               </a:rPr>
-              <a:t>asic </a:t>
+              <a:t> </a:t>
             </a:r>
             <a:r>
               <a:rPr lang="en-US" sz="4374" dirty="0">
-                <a:solidFill>
-                  <a:srgbClr val="F2F0F4"/>
-                </a:solidFill>
-                <a:latin typeface="Montserrat" pitchFamily="34" charset="0"/>
-                <a:ea typeface="Montserrat" pitchFamily="34" charset="-122"/>
-                <a:cs typeface="Montserrat" pitchFamily="34" charset="-120"/>
-              </a:rPr>
-              <a:t>requirements for </a:t>
-            </a:r>
-            <a:r>
-              <a:rPr lang="en-US" sz="4374" dirty="0" smtClean="0">
-                <a:solidFill>
-                  <a:srgbClr val="F2F0F4"/>
-                </a:solidFill>
-                <a:latin typeface="Montserrat" pitchFamily="34" charset="0"/>
-                <a:ea typeface="Montserrat" pitchFamily="34" charset="-122"/>
-                <a:cs typeface="Montserrat" pitchFamily="34" charset="-120"/>
-              </a:rPr>
-              <a:t>the</a:t>
-            </a:r>
-            <a:r>
-              <a:rPr lang="uk-UA" sz="4374" dirty="0" smtClean="0">
-                <a:solidFill>
-                  <a:srgbClr val="F2F0F4"/>
-                </a:solidFill>
-                <a:latin typeface="Montserrat" pitchFamily="34" charset="0"/>
-                <a:ea typeface="Montserrat" pitchFamily="34" charset="-122"/>
-                <a:cs typeface="Montserrat" pitchFamily="34" charset="-120"/>
-              </a:rPr>
-              <a:t> </a:t>
-            </a:r>
-            <a:r>
-              <a:rPr lang="en-US" sz="4374" dirty="0" smtClean="0">
                 <a:solidFill>
                   <a:srgbClr val="F2F0F4"/>
                 </a:solidFill>
@@ -2755,40 +2686,7 @@
                 <a:ea typeface="Montserrat" pitchFamily="34" charset="-122"/>
                 <a:cs typeface="Montserrat" pitchFamily="34" charset="-120"/>
               </a:rPr>
-              <a:t>Data </a:t>
-            </a:r>
-            <a:r>
-              <a:rPr lang="en-US" sz="2187" dirty="0" smtClean="0">
-                <a:solidFill>
-                  <a:srgbClr val="DCD7E5"/>
-                </a:solidFill>
-                <a:latin typeface="Montserrat" pitchFamily="34" charset="0"/>
-                <a:ea typeface="Montserrat" pitchFamily="34" charset="-122"/>
-                <a:cs typeface="Montserrat" pitchFamily="34" charset="-120"/>
-              </a:rPr>
-              <a:t>visuali</a:t>
-            </a:r>
-            <a:r>
-              <a:rPr lang="en-US" sz="2187" dirty="0">
-                <a:solidFill>
-                  <a:srgbClr val="DCD7E5"/>
-                </a:solidFill>
-                <a:latin typeface="Montserrat" pitchFamily="34" charset="0"/>
-                <a:ea typeface="Montserrat" pitchFamily="34" charset="-122"/>
-                <a:cs typeface="Montserrat" pitchFamily="34" charset="-120"/>
-              </a:rPr>
-              <a:t>z</a:t>
-            </a:r>
-            <a:r>
-              <a:rPr lang="en-US" sz="2187" dirty="0" smtClean="0">
-                <a:solidFill>
-                  <a:srgbClr val="DCD7E5"/>
-                </a:solidFill>
-                <a:latin typeface="Montserrat" pitchFamily="34" charset="0"/>
-                <a:ea typeface="Montserrat" pitchFamily="34" charset="-122"/>
-                <a:cs typeface="Montserrat" pitchFamily="34" charset="-120"/>
-              </a:rPr>
-              <a:t>ation</a:t>
+              <a:t>Data visualization</a:t>
             </a:r>
             <a:endParaRPr lang="en-US" sz="2187" dirty="0"/>
           </a:p>
@@ -2881,13 +2779,6 @@
   <p:clrMapOvr>
     <a:masterClrMapping/>
   </p:clrMapOvr>
-  <p:timing>
-    <p:tnLst>
-      <p:par>
-        <p:cTn id="1" dur="indefinite" restart="never" nodeType="tmRoot"/>
-      </p:par>
-    </p:tnLst>
-  </p:timing>
 </p:sld>
 </file>
 
@@ -2924,7 +2815,7 @@
         </p:blipFill>
         <p:spPr>
           <a:xfrm>
-            <a:off x="0" y="0"/>
+            <a:off x="-1" y="0"/>
             <a:ext cx="14630400" cy="8229600"/>
           </a:xfrm>
           <a:prstGeom prst="rect">
@@ -2934,14 +2825,20 @@
       </p:pic>
       <p:sp>
         <p:nvSpPr>
-          <p:cNvPr id="3" name="Shape 0"/>
-          <p:cNvSpPr/>
-          <p:nvPr/>
-        </p:nvSpPr>
-        <p:spPr>
-          <a:xfrm>
-            <a:off x="0" y="0"/>
-            <a:ext cx="14630400" cy="8229600"/>
+          <p:cNvPr id="15" name="Shape 0">
+            <a:extLst>
+              <a:ext uri="{FF2B5EF4-FFF2-40B4-BE49-F238E27FC236}">
+                <a16:creationId xmlns:a16="http://schemas.microsoft.com/office/drawing/2014/main" id="{EA79F240-E2AE-40A2-A9FF-2A3303E9DA36}"/>
+              </a:ext>
+            </a:extLst>
+          </p:cNvPr>
+          <p:cNvSpPr/>
+          <p:nvPr/>
+        </p:nvSpPr>
+        <p:spPr>
+          <a:xfrm>
+            <a:off x="0" y="-12383"/>
+            <a:ext cx="14630400" cy="8241983"/>
           </a:xfrm>
           <a:prstGeom prst="rect">
             <a:avLst/>
@@ -2951,7 +2848,7 @@
               <a:alpha val="75000"/>
             </a:srgbClr>
           </a:solidFill>
-          <a:ln w="13811">
+          <a:ln w="10001">
             <a:solidFill>
               <a:srgbClr val="FFFFFF">
                 <a:alpha val="16000"/>
@@ -2960,6 +2857,13 @@
             <a:prstDash val="solid"/>
           </a:ln>
         </p:spPr>
+        <p:txBody>
+          <a:bodyPr/>
+          <a:lstStyle/>
+          <a:p>
+            <a:endParaRPr lang="uk-UA" dirty="0"/>
+          </a:p>
+        </p:txBody>
       </p:sp>
       <p:sp>
         <p:nvSpPr>
@@ -3131,114 +3035,6 @@
               </a:lnSpc>
               <a:buNone/>
             </a:pPr>
-            <a:endParaRPr lang="en-US" sz="2624" dirty="0"/>
-          </a:p>
-        </p:txBody>
-      </p:sp>
-      <p:sp>
-        <p:nvSpPr>
-          <p:cNvPr id="19" name="Text 16"/>
-          <p:cNvSpPr/>
-          <p:nvPr/>
-        </p:nvSpPr>
-        <p:spPr>
-          <a:xfrm>
-            <a:off x="7206932" y="4648975"/>
-            <a:ext cx="1891844" cy="347186"/>
-          </a:xfrm>
-          <a:prstGeom prst="rect">
-            <a:avLst/>
-          </a:prstGeom>
-          <a:noFill/>
-          <a:ln/>
-        </p:spPr>
-        <p:txBody>
-          <a:bodyPr wrap="none" rtlCol="0" anchor="t"/>
-          <a:lstStyle/>
-          <a:p>
-            <a:pPr>
-              <a:lnSpc>
-                <a:spcPts val="2734"/>
-              </a:lnSpc>
-            </a:pPr>
-            <a:r>
-              <a:rPr lang="en-US" sz="2187" dirty="0">
-                <a:solidFill>
-                  <a:srgbClr val="DCD7E5"/>
-                </a:solidFill>
-                <a:latin typeface="Montserrat" pitchFamily="34" charset="0"/>
-                <a:ea typeface="Montserrat" pitchFamily="34" charset="-122"/>
-                <a:cs typeface="Montserrat" pitchFamily="34" charset="-120"/>
-              </a:rPr>
-              <a:t>Administrator</a:t>
-            </a:r>
-            <a:endParaRPr lang="en-US" sz="2187" dirty="0"/>
-          </a:p>
-        </p:txBody>
-      </p:sp>
-      <p:sp>
-        <p:nvSpPr>
-          <p:cNvPr id="15" name="Shape 4"/>
-          <p:cNvSpPr/>
-          <p:nvPr/>
-        </p:nvSpPr>
-        <p:spPr>
-          <a:xfrm>
-            <a:off x="6518037" y="4607275"/>
-            <a:ext cx="499943" cy="499943"/>
-          </a:xfrm>
-          <a:prstGeom prst="roundRect">
-            <a:avLst>
-              <a:gd name="adj" fmla="val 20000"/>
-            </a:avLst>
-          </a:prstGeom>
-          <a:solidFill>
-            <a:srgbClr val="280E72"/>
-          </a:solidFill>
-          <a:ln w="13811">
-            <a:solidFill>
-              <a:srgbClr val="481782"/>
-            </a:solidFill>
-            <a:prstDash val="solid"/>
-          </a:ln>
-        </p:spPr>
-      </p:sp>
-      <p:sp>
-        <p:nvSpPr>
-          <p:cNvPr id="16" name="Text 5"/>
-          <p:cNvSpPr/>
-          <p:nvPr/>
-        </p:nvSpPr>
-        <p:spPr>
-          <a:xfrm>
-            <a:off x="6706989" y="4607275"/>
-            <a:ext cx="121920" cy="416481"/>
-          </a:xfrm>
-          <a:prstGeom prst="rect">
-            <a:avLst/>
-          </a:prstGeom>
-          <a:noFill/>
-          <a:ln/>
-        </p:spPr>
-        <p:txBody>
-          <a:bodyPr wrap="none" rtlCol="0" anchor="t"/>
-          <a:lstStyle/>
-          <a:p>
-            <a:pPr marL="0" indent="0" algn="ctr">
-              <a:lnSpc>
-                <a:spcPts val="3281"/>
-              </a:lnSpc>
-              <a:buNone/>
-            </a:pPr>
-            <a:r>
-              <a:rPr lang="uk-UA" sz="2624" dirty="0">
-                <a:solidFill>
-                  <a:srgbClr val="DCD7E5"/>
-                </a:solidFill>
-                <a:ea typeface="Montserrat" pitchFamily="34" charset="-122"/>
-              </a:rPr>
-              <a:t>2</a:t>
-            </a:r>
             <a:endParaRPr lang="en-US" sz="2624" dirty="0"/>
           </a:p>
         </p:txBody>
@@ -3312,14 +3108,14 @@
       </p:sp>
       <p:sp>
         <p:nvSpPr>
-          <p:cNvPr id="6" name="TextBox 5"/>
+          <p:cNvPr id="11" name="TextBox 10"/>
           <p:cNvSpPr txBox="1"/>
           <p:nvPr/>
         </p:nvSpPr>
         <p:spPr>
           <a:xfrm>
-            <a:off x="2041138" y="5873944"/>
-            <a:ext cx="12223432" cy="1107996"/>
+            <a:off x="1745574" y="2388463"/>
+            <a:ext cx="11924868" cy="3139321"/>
           </a:xfrm>
           <a:prstGeom prst="rect">
             <a:avLst/>
@@ -3327,64 +3123,56 @@
           <a:noFill/>
         </p:spPr>
         <p:txBody>
-          <a:bodyPr wrap="square" rtlCol="0">
+          <a:bodyPr wrap="none" rtlCol="0">
             <a:spAutoFit/>
           </a:bodyPr>
           <a:lstStyle/>
           <a:p>
             <a:r>
-              <a:rPr lang="en-US" sz="2200" dirty="0" smtClean="0">
+              <a:rPr lang="en-US" sz="2200" dirty="0">
                 <a:solidFill>
                   <a:schemeClr val="bg1"/>
                 </a:solidFill>
               </a:rPr>
-              <a:t>1.  + </a:t>
-            </a:r>
+              <a:t>1.  Ability to enter data on income and expenses </a:t>
+            </a:r>
+          </a:p>
+          <a:p>
             <a:r>
               <a:rPr lang="en-US" sz="2200" dirty="0">
                 <a:solidFill>
                   <a:schemeClr val="bg1"/>
                 </a:solidFill>
               </a:rPr>
-              <a:t>The same features as a regular user </a:t>
-            </a:r>
-            <a:endParaRPr lang="en-US" sz="2200" dirty="0" smtClean="0">
-              <a:solidFill>
-                <a:schemeClr val="bg1"/>
-              </a:solidFill>
-            </a:endParaRPr>
-          </a:p>
-          <a:p>
-            <a:r>
-              <a:rPr lang="en-US" sz="2200" dirty="0" smtClean="0">
+              <a:t>2.  Ability to use one currency(UAH) </a:t>
+            </a:r>
+          </a:p>
+          <a:p>
+            <a:r>
+              <a:rPr lang="en-US" sz="2200" dirty="0">
                 <a:solidFill>
                   <a:schemeClr val="bg1"/>
                 </a:solidFill>
               </a:rPr>
-              <a:t>2.  Ability </a:t>
-            </a:r>
+              <a:t>3.  Ability to view the history of transactions </a:t>
+            </a:r>
+          </a:p>
+          <a:p>
             <a:r>
               <a:rPr lang="en-US" sz="2200" dirty="0">
                 <a:solidFill>
                   <a:schemeClr val="bg1"/>
                 </a:solidFill>
               </a:rPr>
-              <a:t>to manage user accounts (creating a blocking of deletion) </a:t>
-            </a:r>
-            <a:endParaRPr lang="en-US" sz="2200" dirty="0" smtClean="0">
-              <a:solidFill>
-                <a:schemeClr val="bg1"/>
-              </a:solidFill>
-            </a:endParaRPr>
-          </a:p>
-          <a:p>
-            <a:r>
-              <a:rPr lang="en-US" sz="2200" dirty="0" smtClean="0">
+              <a:t>4.  Ability to view graphs</a:t>
+            </a:r>
+            <a:r>
+              <a:rPr lang="uk-UA" sz="2200" dirty="0">
                 <a:solidFill>
                   <a:schemeClr val="bg1"/>
                 </a:solidFill>
               </a:rPr>
-              <a:t>3</a:t>
+              <a:t>(</a:t>
             </a:r>
             <a:r>
               <a:rPr lang="en-US" sz="2200" dirty="0">
@@ -3392,15 +3180,15 @@
                   <a:schemeClr val="bg1"/>
                 </a:solidFill>
               </a:rPr>
-              <a:t>. </a:t>
-            </a:r>
-            <a:r>
-              <a:rPr lang="en-US" sz="2200" dirty="0" smtClean="0">
+              <a:t>income and expenses</a:t>
+            </a:r>
+            <a:r>
+              <a:rPr lang="uk-UA" sz="2200" dirty="0">
                 <a:solidFill>
                   <a:schemeClr val="bg1"/>
                 </a:solidFill>
               </a:rPr>
-              <a:t> Ability </a:t>
+              <a:t>)</a:t>
             </a:r>
             <a:r>
               <a:rPr lang="en-US" sz="2200" dirty="0">
@@ -3408,7 +3196,37 @@
                   <a:schemeClr val="bg1"/>
                 </a:solidFill>
               </a:rPr>
-              <a:t>to contact ordinary users</a:t>
+              <a:t> and charts to better understand the financial situation </a:t>
+            </a:r>
+          </a:p>
+          <a:p>
+            <a:r>
+              <a:rPr lang="en-US" sz="2200" dirty="0">
+                <a:solidFill>
+                  <a:schemeClr val="bg1"/>
+                </a:solidFill>
+              </a:rPr>
+              <a:t>5.  Ability to set financial goals </a:t>
+            </a:r>
+          </a:p>
+          <a:p>
+            <a:r>
+              <a:rPr lang="en-US" sz="2200" dirty="0">
+                <a:solidFill>
+                  <a:schemeClr val="bg1"/>
+                </a:solidFill>
+              </a:rPr>
+              <a:t>6.  Ability to create different budgets </a:t>
+            </a:r>
+          </a:p>
+          <a:p>
+            <a:r>
+              <a:rPr lang="en-US" sz="2200" dirty="0">
+                <a:solidFill>
+                  <a:schemeClr val="bg1"/>
+                </a:solidFill>
+              </a:rPr>
+              <a:t>7.  Ability to edit your own profile and basically personal information</a:t>
             </a:r>
             <a:endParaRPr lang="uk-UA" sz="2200" dirty="0">
               <a:solidFill>
@@ -3416,18 +3234,419 @@
               </a:solidFill>
             </a:endParaRPr>
           </a:p>
-        </p:txBody>
-      </p:sp>
-      <p:sp>
-        <p:nvSpPr>
-          <p:cNvPr id="11" name="TextBox 10"/>
+          <a:p>
+            <a:r>
+              <a:rPr lang="en-US" sz="2200" dirty="0">
+                <a:solidFill>
+                  <a:schemeClr val="bg1"/>
+                </a:solidFill>
+              </a:rPr>
+              <a:t>8.  Ability to make transfer between accounts</a:t>
+            </a:r>
+          </a:p>
+          <a:p>
+            <a:endParaRPr lang="uk-UA" sz="2200" dirty="0">
+              <a:solidFill>
+                <a:schemeClr val="bg1"/>
+              </a:solidFill>
+            </a:endParaRPr>
+          </a:p>
+        </p:txBody>
+      </p:sp>
+    </p:spTree>
+  </p:cSld>
+  <p:clrMapOvr>
+    <a:masterClrMapping/>
+  </p:clrMapOvr>
+</p:sld>
+</file>
+
+<file path=ppt/slides/slide5.xml><?xml version="1.0" encoding="utf-8"?>
+<p:sld xmlns:a="http://schemas.openxmlformats.org/drawingml/2006/main" xmlns:r="http://schemas.openxmlformats.org/officeDocument/2006/relationships" xmlns:p="http://schemas.openxmlformats.org/presentationml/2006/main">
+  <p:cSld>
+    <p:spTree>
+      <p:nvGrpSpPr>
+        <p:cNvPr id="1" name=""/>
+        <p:cNvGrpSpPr/>
+        <p:nvPr/>
+      </p:nvGrpSpPr>
+      <p:grpSpPr>
+        <a:xfrm>
+          <a:off x="0" y="0"/>
+          <a:ext cx="0" cy="0"/>
+          <a:chOff x="0" y="0"/>
+          <a:chExt cx="0" cy="0"/>
+        </a:xfrm>
+      </p:grpSpPr>
+      <p:sp>
+        <p:nvSpPr>
+          <p:cNvPr id="2" name="Shape 0">
+            <a:extLst>
+              <a:ext uri="{FF2B5EF4-FFF2-40B4-BE49-F238E27FC236}">
+                <a16:creationId xmlns:a16="http://schemas.microsoft.com/office/drawing/2014/main" id="{068991CA-FBC8-4DDF-91B7-9C749B4C5F48}"/>
+              </a:ext>
+            </a:extLst>
+          </p:cNvPr>
+          <p:cNvSpPr/>
+          <p:nvPr/>
+        </p:nvSpPr>
+        <p:spPr>
+          <a:xfrm>
+            <a:off x="0" y="-12383"/>
+            <a:ext cx="14630400" cy="8241983"/>
+          </a:xfrm>
+          <a:prstGeom prst="rect">
+            <a:avLst/>
+          </a:prstGeom>
+          <a:solidFill>
+            <a:srgbClr val="0D0A2C">
+              <a:alpha val="75000"/>
+            </a:srgbClr>
+          </a:solidFill>
+          <a:ln w="10001">
+            <a:solidFill>
+              <a:srgbClr val="FFFFFF">
+                <a:alpha val="16000"/>
+              </a:srgbClr>
+            </a:solidFill>
+            <a:prstDash val="solid"/>
+          </a:ln>
+        </p:spPr>
+        <p:txBody>
+          <a:bodyPr/>
+          <a:lstStyle/>
+          <a:p>
+            <a:endParaRPr lang="uk-UA" dirty="0"/>
+          </a:p>
+        </p:txBody>
+      </p:sp>
+      <p:pic>
+        <p:nvPicPr>
+          <p:cNvPr id="3" name="Image 0" descr="preencoded.png">
+            <a:extLst>
+              <a:ext uri="{FF2B5EF4-FFF2-40B4-BE49-F238E27FC236}">
+                <a16:creationId xmlns:a16="http://schemas.microsoft.com/office/drawing/2014/main" id="{D1059BBA-54EB-4590-8EB1-F8E9C9B5C0C4}"/>
+              </a:ext>
+            </a:extLst>
+          </p:cNvPr>
+          <p:cNvPicPr>
+            <a:picLocks noChangeAspect="1"/>
+          </p:cNvPicPr>
+          <p:nvPr/>
+        </p:nvPicPr>
+        <p:blipFill>
+          <a:blip r:embed="rId2"/>
+          <a:stretch>
+            <a:fillRect/>
+          </a:stretch>
+        </p:blipFill>
+        <p:spPr>
+          <a:xfrm>
+            <a:off x="-1" y="0"/>
+            <a:ext cx="14630400" cy="8229600"/>
+          </a:xfrm>
+          <a:prstGeom prst="rect">
+            <a:avLst/>
+          </a:prstGeom>
+        </p:spPr>
+      </p:pic>
+      <p:sp>
+        <p:nvSpPr>
+          <p:cNvPr id="4" name="Shape 0">
+            <a:extLst>
+              <a:ext uri="{FF2B5EF4-FFF2-40B4-BE49-F238E27FC236}">
+                <a16:creationId xmlns:a16="http://schemas.microsoft.com/office/drawing/2014/main" id="{B9A37A4D-0085-48EC-9AB6-156D7B7BC305}"/>
+              </a:ext>
+            </a:extLst>
+          </p:cNvPr>
+          <p:cNvSpPr/>
+          <p:nvPr/>
+        </p:nvSpPr>
+        <p:spPr>
+          <a:xfrm>
+            <a:off x="0" y="-12383"/>
+            <a:ext cx="14630400" cy="8241983"/>
+          </a:xfrm>
+          <a:prstGeom prst="rect">
+            <a:avLst/>
+          </a:prstGeom>
+          <a:solidFill>
+            <a:srgbClr val="0D0A2C">
+              <a:alpha val="75000"/>
+            </a:srgbClr>
+          </a:solidFill>
+          <a:ln w="10001">
+            <a:solidFill>
+              <a:srgbClr val="FFFFFF">
+                <a:alpha val="16000"/>
+              </a:srgbClr>
+            </a:solidFill>
+            <a:prstDash val="solid"/>
+          </a:ln>
+        </p:spPr>
+        <p:txBody>
+          <a:bodyPr/>
+          <a:lstStyle/>
+          <a:p>
+            <a:endParaRPr lang="uk-UA" dirty="0"/>
+          </a:p>
+        </p:txBody>
+      </p:sp>
+      <p:sp>
+        <p:nvSpPr>
+          <p:cNvPr id="5" name="Text 1">
+            <a:extLst>
+              <a:ext uri="{FF2B5EF4-FFF2-40B4-BE49-F238E27FC236}">
+                <a16:creationId xmlns:a16="http://schemas.microsoft.com/office/drawing/2014/main" id="{6A922663-D896-4B99-B542-08A912E5C7B4}"/>
+              </a:ext>
+            </a:extLst>
+          </p:cNvPr>
+          <p:cNvSpPr/>
+          <p:nvPr/>
+        </p:nvSpPr>
+        <p:spPr>
+          <a:xfrm>
+            <a:off x="4294088" y="413463"/>
+            <a:ext cx="3638907" cy="694373"/>
+          </a:xfrm>
+          <a:prstGeom prst="rect">
+            <a:avLst/>
+          </a:prstGeom>
+          <a:noFill/>
+          <a:ln/>
+        </p:spPr>
+        <p:txBody>
+          <a:bodyPr wrap="none" rtlCol="0" anchor="t"/>
+          <a:lstStyle/>
+          <a:p>
+            <a:pPr>
+              <a:lnSpc>
+                <a:spcPts val="5468"/>
+              </a:lnSpc>
+            </a:pPr>
+            <a:r>
+              <a:rPr lang="en-US" sz="4374" dirty="0">
+                <a:solidFill>
+                  <a:srgbClr val="F2F0F4"/>
+                </a:solidFill>
+                <a:latin typeface="Montserrat" pitchFamily="34" charset="0"/>
+              </a:rPr>
+              <a:t>Description of graph</a:t>
+            </a:r>
+            <a:endParaRPr lang="en-US" sz="4374" dirty="0"/>
+          </a:p>
+        </p:txBody>
+      </p:sp>
+      <p:sp>
+        <p:nvSpPr>
+          <p:cNvPr id="6" name="Text 5">
+            <a:extLst>
+              <a:ext uri="{FF2B5EF4-FFF2-40B4-BE49-F238E27FC236}">
+                <a16:creationId xmlns:a16="http://schemas.microsoft.com/office/drawing/2014/main" id="{CC91E508-A77F-4EC9-B5C4-184EB2A8579F}"/>
+              </a:ext>
+            </a:extLst>
+          </p:cNvPr>
+          <p:cNvSpPr/>
+          <p:nvPr/>
+        </p:nvSpPr>
+        <p:spPr>
+          <a:xfrm>
+            <a:off x="6253520" y="4319354"/>
+            <a:ext cx="121920" cy="416481"/>
+          </a:xfrm>
+          <a:prstGeom prst="rect">
+            <a:avLst/>
+          </a:prstGeom>
+          <a:noFill/>
+          <a:ln/>
+        </p:spPr>
+        <p:txBody>
+          <a:bodyPr wrap="none" rtlCol="0" anchor="t"/>
+          <a:lstStyle/>
+          <a:p>
+            <a:pPr marL="0" indent="0" algn="ctr">
+              <a:lnSpc>
+                <a:spcPts val="3281"/>
+              </a:lnSpc>
+              <a:buNone/>
+            </a:pPr>
+            <a:endParaRPr lang="en-US" sz="2624" dirty="0"/>
+          </a:p>
+        </p:txBody>
+      </p:sp>
+      <p:sp>
+        <p:nvSpPr>
+          <p:cNvPr id="7" name="Text 6">
+            <a:extLst>
+              <a:ext uri="{FF2B5EF4-FFF2-40B4-BE49-F238E27FC236}">
+                <a16:creationId xmlns:a16="http://schemas.microsoft.com/office/drawing/2014/main" id="{5801920D-EA13-4F2B-9B47-29CA922FFF80}"/>
+              </a:ext>
+            </a:extLst>
+          </p:cNvPr>
+          <p:cNvSpPr/>
+          <p:nvPr/>
+        </p:nvSpPr>
+        <p:spPr>
+          <a:xfrm>
+            <a:off x="6672699" y="5880947"/>
+            <a:ext cx="1795780" cy="347186"/>
+          </a:xfrm>
+          <a:prstGeom prst="rect">
+            <a:avLst/>
+          </a:prstGeom>
+          <a:noFill/>
+          <a:ln/>
+        </p:spPr>
+        <p:txBody>
+          <a:bodyPr wrap="none" rtlCol="0" anchor="t"/>
+          <a:lstStyle/>
+          <a:p>
+            <a:pPr>
+              <a:lnSpc>
+                <a:spcPts val="2734"/>
+              </a:lnSpc>
+            </a:pPr>
+            <a:endParaRPr lang="en-US" sz="2187" dirty="0"/>
+          </a:p>
+        </p:txBody>
+      </p:sp>
+      <p:sp>
+        <p:nvSpPr>
+          <p:cNvPr id="9" name="Text 15">
+            <a:extLst>
+              <a:ext uri="{FF2B5EF4-FFF2-40B4-BE49-F238E27FC236}">
+                <a16:creationId xmlns:a16="http://schemas.microsoft.com/office/drawing/2014/main" id="{694E79FD-B665-41F6-A075-415D1F2CDB2E}"/>
+              </a:ext>
+            </a:extLst>
+          </p:cNvPr>
+          <p:cNvSpPr/>
+          <p:nvPr/>
+        </p:nvSpPr>
+        <p:spPr>
+          <a:xfrm>
+            <a:off x="6219230" y="2798119"/>
+            <a:ext cx="190500" cy="416481"/>
+          </a:xfrm>
+          <a:prstGeom prst="rect">
+            <a:avLst/>
+          </a:prstGeom>
+          <a:noFill/>
+          <a:ln/>
+        </p:spPr>
+        <p:txBody>
+          <a:bodyPr wrap="none" rtlCol="0" anchor="t"/>
+          <a:lstStyle/>
+          <a:p>
+            <a:pPr marL="0" indent="0" algn="ctr">
+              <a:lnSpc>
+                <a:spcPts val="3281"/>
+              </a:lnSpc>
+              <a:buNone/>
+            </a:pPr>
+            <a:endParaRPr lang="en-US" sz="2624" dirty="0"/>
+          </a:p>
+        </p:txBody>
+      </p:sp>
+      <p:sp>
+        <p:nvSpPr>
+          <p:cNvPr id="11" name="Text 15">
+            <a:extLst>
+              <a:ext uri="{FF2B5EF4-FFF2-40B4-BE49-F238E27FC236}">
+                <a16:creationId xmlns:a16="http://schemas.microsoft.com/office/drawing/2014/main" id="{262F171B-5609-4D7F-9F17-43B576FA0176}"/>
+              </a:ext>
+            </a:extLst>
+          </p:cNvPr>
+          <p:cNvSpPr/>
+          <p:nvPr/>
+        </p:nvSpPr>
+        <p:spPr>
+          <a:xfrm>
+            <a:off x="6672699" y="1565369"/>
+            <a:ext cx="190500" cy="416481"/>
+          </a:xfrm>
+          <a:prstGeom prst="rect">
+            <a:avLst/>
+          </a:prstGeom>
+          <a:noFill/>
+          <a:ln/>
+        </p:spPr>
+        <p:txBody>
+          <a:bodyPr wrap="none" rtlCol="0" anchor="t"/>
+          <a:lstStyle/>
+          <a:p>
+            <a:pPr marL="0" indent="0" algn="ctr">
+              <a:lnSpc>
+                <a:spcPts val="3281"/>
+              </a:lnSpc>
+              <a:buNone/>
+            </a:pPr>
+            <a:endParaRPr lang="en-US" sz="2624" dirty="0"/>
+          </a:p>
+        </p:txBody>
+      </p:sp>
+      <p:pic>
+        <p:nvPicPr>
+          <p:cNvPr id="13" name="Picture 2" descr="зображення">
+            <a:extLst>
+              <a:ext uri="{FF2B5EF4-FFF2-40B4-BE49-F238E27FC236}">
+                <a16:creationId xmlns:a16="http://schemas.microsoft.com/office/drawing/2014/main" id="{1F355A0A-61C4-4C14-98F5-A3F64882FEF2}"/>
+              </a:ext>
+            </a:extLst>
+          </p:cNvPr>
+          <p:cNvPicPr>
+            <a:picLocks noChangeAspect="1" noChangeArrowheads="1"/>
+          </p:cNvPicPr>
+          <p:nvPr/>
+        </p:nvPicPr>
+        <p:blipFill>
+          <a:blip r:embed="rId3">
+            <a:extLst>
+              <a:ext uri="{28A0092B-C50C-407E-A947-70E740481C1C}">
+                <a14:useLocalDpi xmlns:a14="http://schemas.microsoft.com/office/drawing/2010/main" val="0"/>
+              </a:ext>
+            </a:extLst>
+          </a:blip>
+          <a:srcRect/>
+          <a:stretch>
+            <a:fillRect/>
+          </a:stretch>
+        </p:blipFill>
+        <p:spPr bwMode="auto">
+          <a:xfrm>
+            <a:off x="8468479" y="5880947"/>
+            <a:ext cx="4298400" cy="2081739"/>
+          </a:xfrm>
+          <a:prstGeom prst="rect">
+            <a:avLst/>
+          </a:prstGeom>
+          <a:noFill/>
+          <a:extLst>
+            <a:ext uri="{909E8E84-426E-40DD-AFC4-6F175D3DCCD1}">
+              <a14:hiddenFill xmlns:a14="http://schemas.microsoft.com/office/drawing/2010/main">
+                <a:solidFill>
+                  <a:srgbClr val="FFFFFF"/>
+                </a:solidFill>
+              </a14:hiddenFill>
+            </a:ext>
+          </a:extLst>
+        </p:spPr>
+      </p:pic>
+      <p:sp>
+        <p:nvSpPr>
+          <p:cNvPr id="14" name="TextBox 13">
+            <a:extLst>
+              <a:ext uri="{FF2B5EF4-FFF2-40B4-BE49-F238E27FC236}">
+                <a16:creationId xmlns:a16="http://schemas.microsoft.com/office/drawing/2014/main" id="{DBF5A0A9-3767-46CB-B15E-81F05737D2B4}"/>
+              </a:ext>
+            </a:extLst>
+          </p:cNvPr>
           <p:cNvSpPr txBox="1"/>
           <p:nvPr/>
         </p:nvSpPr>
         <p:spPr>
           <a:xfrm>
-            <a:off x="2049446" y="2591106"/>
-            <a:ext cx="9246506" cy="1785104"/>
+            <a:off x="1625642" y="1581452"/>
+            <a:ext cx="10475113" cy="4154984"/>
           </a:xfrm>
           <a:prstGeom prst="rect">
             <a:avLst/>
@@ -3435,43 +3654,21 @@
           <a:noFill/>
         </p:spPr>
         <p:txBody>
-          <a:bodyPr wrap="none" rtlCol="0">
+          <a:bodyPr wrap="square" rtlCol="0">
             <a:spAutoFit/>
           </a:bodyPr>
           <a:lstStyle/>
           <a:p>
             <a:r>
-              <a:rPr lang="en-US" sz="2200" dirty="0" smtClean="0">
+              <a:rPr lang="en-US" sz="2200" dirty="0">
                 <a:solidFill>
                   <a:schemeClr val="bg1"/>
                 </a:solidFill>
               </a:rPr>
-              <a:t>1</a:t>
-            </a:r>
-            <a:r>
-              <a:rPr lang="en-US" sz="2200" dirty="0">
-                <a:solidFill>
-                  <a:schemeClr val="bg1"/>
-                </a:solidFill>
-              </a:rPr>
-              <a:t>.</a:t>
-            </a:r>
-            <a:r>
-              <a:rPr lang="en-US" sz="2200" dirty="0" smtClean="0">
-                <a:solidFill>
-                  <a:schemeClr val="bg1"/>
-                </a:solidFill>
-              </a:rPr>
-              <a:t>  Ability </a:t>
-            </a:r>
-            <a:r>
-              <a:rPr lang="en-US" sz="2200" dirty="0">
-                <a:solidFill>
-                  <a:schemeClr val="bg1"/>
-                </a:solidFill>
-              </a:rPr>
-              <a:t>to enter data on income and expenses </a:t>
-            </a:r>
+              <a:t>An income/expenses graph,  referred to as a "budget graph" or "financial statement," is a visual representation of an individual's income and expenses over a specific period, typically monthly or annually. This graph is a valuable tool for tracking and managing personal or business finances. Here's how it typically works:</a:t>
+            </a:r>
+          </a:p>
+          <a:p>
             <a:endParaRPr lang="en-US" sz="2200" dirty="0">
               <a:solidFill>
                 <a:schemeClr val="bg1"/>
@@ -3480,22 +3677,16 @@
           </a:p>
           <a:p>
             <a:r>
-              <a:rPr lang="en-US" sz="2200" dirty="0" smtClean="0">
+              <a:rPr lang="en-US" sz="2200" dirty="0">
                 <a:solidFill>
                   <a:schemeClr val="bg1"/>
                 </a:solidFill>
               </a:rPr>
-              <a:t>2.  </a:t>
-            </a:r>
-            <a:r>
-              <a:rPr lang="en-US" sz="2200" dirty="0">
-                <a:solidFill>
-                  <a:schemeClr val="bg1"/>
-                </a:solidFill>
-              </a:rPr>
-              <a:t>Ability to view the history of transactions </a:t>
-            </a:r>
-            <a:endParaRPr lang="en-US" sz="2200" dirty="0" smtClean="0">
+              <a:t>X-Axis (Horizontal Axis): This axis represents time, with each point on the axis corresponding to a specific month or year, depending on the chosen timeframe. The graph may cover a single month, a quarter, a year, or multiple years.</a:t>
+            </a:r>
+          </a:p>
+          <a:p>
+            <a:endParaRPr lang="en-US" sz="2200" dirty="0">
               <a:solidFill>
                 <a:schemeClr val="bg1"/>
               </a:solidFill>
@@ -3503,98 +3694,12 @@
           </a:p>
           <a:p>
             <a:r>
-              <a:rPr lang="en-US" sz="2200" dirty="0" smtClean="0">
+              <a:rPr lang="en-US" sz="2200" dirty="0">
                 <a:solidFill>
                   <a:schemeClr val="bg1"/>
                 </a:solidFill>
               </a:rPr>
-              <a:t>3</a:t>
-            </a:r>
-            <a:r>
-              <a:rPr lang="en-US" sz="2200" dirty="0">
-                <a:solidFill>
-                  <a:schemeClr val="bg1"/>
-                </a:solidFill>
-              </a:rPr>
-              <a:t>.</a:t>
-            </a:r>
-            <a:r>
-              <a:rPr lang="en-US" sz="2200" dirty="0" smtClean="0">
-                <a:solidFill>
-                  <a:schemeClr val="bg1"/>
-                </a:solidFill>
-              </a:rPr>
-              <a:t>  Ability </a:t>
-            </a:r>
-            <a:r>
-              <a:rPr lang="en-US" sz="2200" dirty="0">
-                <a:solidFill>
-                  <a:schemeClr val="bg1"/>
-                </a:solidFill>
-              </a:rPr>
-              <a:t>to view graphs and charts to better understand the financial situation </a:t>
-            </a:r>
-            <a:endParaRPr lang="en-US" sz="2200" dirty="0" smtClean="0">
-              <a:solidFill>
-                <a:schemeClr val="bg1"/>
-              </a:solidFill>
-            </a:endParaRPr>
-          </a:p>
-          <a:p>
-            <a:r>
-              <a:rPr lang="en-US" sz="2200" dirty="0" smtClean="0">
-                <a:solidFill>
-                  <a:schemeClr val="bg1"/>
-                </a:solidFill>
-              </a:rPr>
-              <a:t>4.  </a:t>
-            </a:r>
-            <a:r>
-              <a:rPr lang="en-US" sz="2200" dirty="0">
-                <a:solidFill>
-                  <a:schemeClr val="bg1"/>
-                </a:solidFill>
-              </a:rPr>
-              <a:t>Ability to set financial goals 5) Ability to create different budgets </a:t>
-            </a:r>
-            <a:endParaRPr lang="en-US" sz="2200" dirty="0" smtClean="0">
-              <a:solidFill>
-                <a:schemeClr val="bg1"/>
-              </a:solidFill>
-            </a:endParaRPr>
-          </a:p>
-          <a:p>
-            <a:r>
-              <a:rPr lang="en-US" sz="2200" dirty="0" smtClean="0">
-                <a:solidFill>
-                  <a:schemeClr val="bg1"/>
-                </a:solidFill>
-              </a:rPr>
-              <a:t>5</a:t>
-            </a:r>
-            <a:r>
-              <a:rPr lang="en-US" sz="2200" dirty="0">
-                <a:solidFill>
-                  <a:schemeClr val="bg1"/>
-                </a:solidFill>
-              </a:rPr>
-              <a:t>.</a:t>
-            </a:r>
-            <a:r>
-              <a:rPr lang="en-US" sz="2200" dirty="0" smtClean="0">
-                <a:solidFill>
-                  <a:schemeClr val="bg1"/>
-                </a:solidFill>
-              </a:rPr>
-              <a:t>  Ability </a:t>
-            </a:r>
-            <a:r>
-              <a:rPr lang="en-US" sz="2200" dirty="0">
-                <a:solidFill>
-                  <a:schemeClr val="bg1"/>
-                </a:solidFill>
-              </a:rPr>
-              <a:t>to edit your own profile and basically personal information</a:t>
+              <a:t>Y-Axis (Vertical Axis): This axis represents the amount of money. It usually starts from zero and goes up in increments, depending on the scale required to display income and expenses accurately.</a:t>
             </a:r>
             <a:endParaRPr lang="uk-UA" sz="2200" dirty="0">
               <a:solidFill>
@@ -3604,22 +3709,474 @@
           </a:p>
         </p:txBody>
       </p:sp>
+      <p:pic>
+        <p:nvPicPr>
+          <p:cNvPr id="2050" name="Picture 2" descr="зображення">
+            <a:extLst>
+              <a:ext uri="{FF2B5EF4-FFF2-40B4-BE49-F238E27FC236}">
+                <a16:creationId xmlns:a16="http://schemas.microsoft.com/office/drawing/2014/main" id="{E919B8F3-CE8F-4714-9607-B268EBD8C983}"/>
+              </a:ext>
+            </a:extLst>
+          </p:cNvPr>
+          <p:cNvPicPr>
+            <a:picLocks noChangeAspect="1" noChangeArrowheads="1"/>
+          </p:cNvPicPr>
+          <p:nvPr/>
+        </p:nvPicPr>
+        <p:blipFill>
+          <a:blip r:embed="rId4">
+            <a:extLst>
+              <a:ext uri="{28A0092B-C50C-407E-A947-70E740481C1C}">
+                <a14:useLocalDpi xmlns:a14="http://schemas.microsoft.com/office/drawing/2010/main" val="0"/>
+              </a:ext>
+            </a:extLst>
+          </a:blip>
+          <a:srcRect/>
+          <a:stretch>
+            <a:fillRect/>
+          </a:stretch>
+        </p:blipFill>
+        <p:spPr bwMode="auto">
+          <a:xfrm>
+            <a:off x="1625642" y="5880947"/>
+            <a:ext cx="4296923" cy="2081739"/>
+          </a:xfrm>
+          <a:prstGeom prst="rect">
+            <a:avLst/>
+          </a:prstGeom>
+          <a:noFill/>
+          <a:extLst>
+            <a:ext uri="{909E8E84-426E-40DD-AFC4-6F175D3DCCD1}">
+              <a14:hiddenFill xmlns:a14="http://schemas.microsoft.com/office/drawing/2010/main">
+                <a:solidFill>
+                  <a:srgbClr val="FFFFFF"/>
+                </a:solidFill>
+              </a14:hiddenFill>
+            </a:ext>
+          </a:extLst>
+        </p:spPr>
+      </p:pic>
     </p:spTree>
+    <p:extLst>
+      <p:ext uri="{BB962C8B-B14F-4D97-AF65-F5344CB8AC3E}">
+        <p14:creationId xmlns:p14="http://schemas.microsoft.com/office/powerpoint/2010/main" val="3028818387"/>
+      </p:ext>
+    </p:extLst>
   </p:cSld>
   <p:clrMapOvr>
     <a:masterClrMapping/>
   </p:clrMapOvr>
-  <p:timing>
-    <p:tnLst>
-      <p:par>
-        <p:cTn id="1" dur="indefinite" restart="never" nodeType="tmRoot"/>
-      </p:par>
-    </p:tnLst>
-  </p:timing>
 </p:sld>
 </file>
 
-<file path=ppt/slides/slide5.xml><?xml version="1.0" encoding="utf-8"?>
+<file path=ppt/slides/slide6.xml><?xml version="1.0" encoding="utf-8"?>
+<p:sld xmlns:a="http://schemas.openxmlformats.org/drawingml/2006/main" xmlns:r="http://schemas.openxmlformats.org/officeDocument/2006/relationships" xmlns:p="http://schemas.openxmlformats.org/presentationml/2006/main">
+  <p:cSld>
+    <p:spTree>
+      <p:nvGrpSpPr>
+        <p:cNvPr id="1" name=""/>
+        <p:cNvGrpSpPr/>
+        <p:nvPr/>
+      </p:nvGrpSpPr>
+      <p:grpSpPr>
+        <a:xfrm>
+          <a:off x="0" y="0"/>
+          <a:ext cx="0" cy="0"/>
+          <a:chOff x="0" y="0"/>
+          <a:chExt cx="0" cy="0"/>
+        </a:xfrm>
+      </p:grpSpPr>
+      <p:sp>
+        <p:nvSpPr>
+          <p:cNvPr id="2" name="Shape 0">
+            <a:extLst>
+              <a:ext uri="{FF2B5EF4-FFF2-40B4-BE49-F238E27FC236}">
+                <a16:creationId xmlns:a16="http://schemas.microsoft.com/office/drawing/2014/main" id="{C7F724D8-88D9-4D6F-A915-3BAC40A62D06}"/>
+              </a:ext>
+            </a:extLst>
+          </p:cNvPr>
+          <p:cNvSpPr/>
+          <p:nvPr/>
+        </p:nvSpPr>
+        <p:spPr>
+          <a:xfrm>
+            <a:off x="0" y="-12383"/>
+            <a:ext cx="14630400" cy="8241983"/>
+          </a:xfrm>
+          <a:prstGeom prst="rect">
+            <a:avLst/>
+          </a:prstGeom>
+          <a:solidFill>
+            <a:srgbClr val="0D0A2C">
+              <a:alpha val="75000"/>
+            </a:srgbClr>
+          </a:solidFill>
+          <a:ln w="10001">
+            <a:solidFill>
+              <a:srgbClr val="FFFFFF">
+                <a:alpha val="16000"/>
+              </a:srgbClr>
+            </a:solidFill>
+            <a:prstDash val="solid"/>
+          </a:ln>
+        </p:spPr>
+        <p:txBody>
+          <a:bodyPr/>
+          <a:lstStyle/>
+          <a:p>
+            <a:endParaRPr lang="uk-UA" dirty="0"/>
+          </a:p>
+        </p:txBody>
+      </p:sp>
+      <p:pic>
+        <p:nvPicPr>
+          <p:cNvPr id="3" name="Image 0" descr="preencoded.png">
+            <a:extLst>
+              <a:ext uri="{FF2B5EF4-FFF2-40B4-BE49-F238E27FC236}">
+                <a16:creationId xmlns:a16="http://schemas.microsoft.com/office/drawing/2014/main" id="{114976A9-607B-44F7-AC8E-1C654EDD64AB}"/>
+              </a:ext>
+            </a:extLst>
+          </p:cNvPr>
+          <p:cNvPicPr>
+            <a:picLocks noChangeAspect="1"/>
+          </p:cNvPicPr>
+          <p:nvPr/>
+        </p:nvPicPr>
+        <p:blipFill>
+          <a:blip r:embed="rId2"/>
+          <a:stretch>
+            <a:fillRect/>
+          </a:stretch>
+        </p:blipFill>
+        <p:spPr>
+          <a:xfrm>
+            <a:off x="-1" y="0"/>
+            <a:ext cx="14630400" cy="8229600"/>
+          </a:xfrm>
+          <a:prstGeom prst="rect">
+            <a:avLst/>
+          </a:prstGeom>
+        </p:spPr>
+      </p:pic>
+      <p:sp>
+        <p:nvSpPr>
+          <p:cNvPr id="4" name="Shape 0">
+            <a:extLst>
+              <a:ext uri="{FF2B5EF4-FFF2-40B4-BE49-F238E27FC236}">
+                <a16:creationId xmlns:a16="http://schemas.microsoft.com/office/drawing/2014/main" id="{B40EF81C-19FE-47A9-958C-3A9943B73DF1}"/>
+              </a:ext>
+            </a:extLst>
+          </p:cNvPr>
+          <p:cNvSpPr/>
+          <p:nvPr/>
+        </p:nvSpPr>
+        <p:spPr>
+          <a:xfrm>
+            <a:off x="0" y="-12383"/>
+            <a:ext cx="14630400" cy="8241983"/>
+          </a:xfrm>
+          <a:prstGeom prst="rect">
+            <a:avLst/>
+          </a:prstGeom>
+          <a:solidFill>
+            <a:srgbClr val="0D0A2C">
+              <a:alpha val="75000"/>
+            </a:srgbClr>
+          </a:solidFill>
+          <a:ln w="10001">
+            <a:solidFill>
+              <a:srgbClr val="FFFFFF">
+                <a:alpha val="16000"/>
+              </a:srgbClr>
+            </a:solidFill>
+            <a:prstDash val="solid"/>
+          </a:ln>
+        </p:spPr>
+        <p:txBody>
+          <a:bodyPr/>
+          <a:lstStyle/>
+          <a:p>
+            <a:endParaRPr lang="uk-UA" dirty="0"/>
+          </a:p>
+        </p:txBody>
+      </p:sp>
+      <p:sp>
+        <p:nvSpPr>
+          <p:cNvPr id="5" name="Text 1">
+            <a:extLst>
+              <a:ext uri="{FF2B5EF4-FFF2-40B4-BE49-F238E27FC236}">
+                <a16:creationId xmlns:a16="http://schemas.microsoft.com/office/drawing/2014/main" id="{24316088-02C7-4562-9325-F325C9304780}"/>
+              </a:ext>
+            </a:extLst>
+          </p:cNvPr>
+          <p:cNvSpPr/>
+          <p:nvPr/>
+        </p:nvSpPr>
+        <p:spPr>
+          <a:xfrm>
+            <a:off x="3931682" y="460615"/>
+            <a:ext cx="3638907" cy="694373"/>
+          </a:xfrm>
+          <a:prstGeom prst="rect">
+            <a:avLst/>
+          </a:prstGeom>
+          <a:noFill/>
+          <a:ln/>
+        </p:spPr>
+        <p:txBody>
+          <a:bodyPr wrap="none" rtlCol="0" anchor="t"/>
+          <a:lstStyle/>
+          <a:p>
+            <a:pPr>
+              <a:lnSpc>
+                <a:spcPts val="5468"/>
+              </a:lnSpc>
+            </a:pPr>
+            <a:r>
+              <a:rPr lang="en-US" sz="4374" dirty="0">
+                <a:solidFill>
+                  <a:srgbClr val="F2F0F4"/>
+                </a:solidFill>
+                <a:latin typeface="Montserrat" pitchFamily="34" charset="0"/>
+              </a:rPr>
+              <a:t>Description of financial goal</a:t>
+            </a:r>
+            <a:endParaRPr lang="en-US" sz="4374" dirty="0"/>
+          </a:p>
+        </p:txBody>
+      </p:sp>
+      <p:sp>
+        <p:nvSpPr>
+          <p:cNvPr id="6" name="Text 5">
+            <a:extLst>
+              <a:ext uri="{FF2B5EF4-FFF2-40B4-BE49-F238E27FC236}">
+                <a16:creationId xmlns:a16="http://schemas.microsoft.com/office/drawing/2014/main" id="{AFE421D5-3447-4BEF-B0F4-6398BAB697DE}"/>
+              </a:ext>
+            </a:extLst>
+          </p:cNvPr>
+          <p:cNvSpPr/>
+          <p:nvPr/>
+        </p:nvSpPr>
+        <p:spPr>
+          <a:xfrm>
+            <a:off x="6253520" y="4319354"/>
+            <a:ext cx="121920" cy="416481"/>
+          </a:xfrm>
+          <a:prstGeom prst="rect">
+            <a:avLst/>
+          </a:prstGeom>
+          <a:noFill/>
+          <a:ln/>
+        </p:spPr>
+        <p:txBody>
+          <a:bodyPr wrap="none" rtlCol="0" anchor="t"/>
+          <a:lstStyle/>
+          <a:p>
+            <a:pPr marL="0" indent="0" algn="ctr">
+              <a:lnSpc>
+                <a:spcPts val="3281"/>
+              </a:lnSpc>
+              <a:buNone/>
+            </a:pPr>
+            <a:endParaRPr lang="en-US" sz="2624" dirty="0"/>
+          </a:p>
+        </p:txBody>
+      </p:sp>
+      <p:sp>
+        <p:nvSpPr>
+          <p:cNvPr id="7" name="Text 6">
+            <a:extLst>
+              <a:ext uri="{FF2B5EF4-FFF2-40B4-BE49-F238E27FC236}">
+                <a16:creationId xmlns:a16="http://schemas.microsoft.com/office/drawing/2014/main" id="{016BCFA0-97BD-4D55-A6DB-AC6D552EA09D}"/>
+              </a:ext>
+            </a:extLst>
+          </p:cNvPr>
+          <p:cNvSpPr/>
+          <p:nvPr/>
+        </p:nvSpPr>
+        <p:spPr>
+          <a:xfrm>
+            <a:off x="6672699" y="5880947"/>
+            <a:ext cx="1795780" cy="347186"/>
+          </a:xfrm>
+          <a:prstGeom prst="rect">
+            <a:avLst/>
+          </a:prstGeom>
+          <a:noFill/>
+          <a:ln/>
+        </p:spPr>
+        <p:txBody>
+          <a:bodyPr wrap="none" rtlCol="0" anchor="t"/>
+          <a:lstStyle/>
+          <a:p>
+            <a:pPr>
+              <a:lnSpc>
+                <a:spcPts val="2734"/>
+              </a:lnSpc>
+            </a:pPr>
+            <a:endParaRPr lang="en-US" sz="2187" dirty="0"/>
+          </a:p>
+        </p:txBody>
+      </p:sp>
+      <p:sp>
+        <p:nvSpPr>
+          <p:cNvPr id="8" name="Text 15">
+            <a:extLst>
+              <a:ext uri="{FF2B5EF4-FFF2-40B4-BE49-F238E27FC236}">
+                <a16:creationId xmlns:a16="http://schemas.microsoft.com/office/drawing/2014/main" id="{FBC91A10-D391-4572-985E-9FE1540D3BE8}"/>
+              </a:ext>
+            </a:extLst>
+          </p:cNvPr>
+          <p:cNvSpPr/>
+          <p:nvPr/>
+        </p:nvSpPr>
+        <p:spPr>
+          <a:xfrm>
+            <a:off x="6219230" y="2798119"/>
+            <a:ext cx="190500" cy="416481"/>
+          </a:xfrm>
+          <a:prstGeom prst="rect">
+            <a:avLst/>
+          </a:prstGeom>
+          <a:noFill/>
+          <a:ln/>
+        </p:spPr>
+        <p:txBody>
+          <a:bodyPr wrap="none" rtlCol="0" anchor="t"/>
+          <a:lstStyle/>
+          <a:p>
+            <a:pPr marL="0" indent="0" algn="ctr">
+              <a:lnSpc>
+                <a:spcPts val="3281"/>
+              </a:lnSpc>
+              <a:buNone/>
+            </a:pPr>
+            <a:endParaRPr lang="en-US" sz="2624" dirty="0"/>
+          </a:p>
+        </p:txBody>
+      </p:sp>
+      <p:sp>
+        <p:nvSpPr>
+          <p:cNvPr id="9" name="Text 15">
+            <a:extLst>
+              <a:ext uri="{FF2B5EF4-FFF2-40B4-BE49-F238E27FC236}">
+                <a16:creationId xmlns:a16="http://schemas.microsoft.com/office/drawing/2014/main" id="{91A22FBE-B35E-4D74-BEED-FFF2238AF730}"/>
+              </a:ext>
+            </a:extLst>
+          </p:cNvPr>
+          <p:cNvSpPr/>
+          <p:nvPr/>
+        </p:nvSpPr>
+        <p:spPr>
+          <a:xfrm>
+            <a:off x="6672699" y="1565369"/>
+            <a:ext cx="190500" cy="416481"/>
+          </a:xfrm>
+          <a:prstGeom prst="rect">
+            <a:avLst/>
+          </a:prstGeom>
+          <a:noFill/>
+          <a:ln/>
+        </p:spPr>
+        <p:txBody>
+          <a:bodyPr wrap="none" rtlCol="0" anchor="t"/>
+          <a:lstStyle/>
+          <a:p>
+            <a:pPr marL="0" indent="0" algn="ctr">
+              <a:lnSpc>
+                <a:spcPts val="3281"/>
+              </a:lnSpc>
+              <a:buNone/>
+            </a:pPr>
+            <a:endParaRPr lang="en-US" sz="2624" dirty="0"/>
+          </a:p>
+        </p:txBody>
+      </p:sp>
+      <p:sp>
+        <p:nvSpPr>
+          <p:cNvPr id="11" name="TextBox 10">
+            <a:extLst>
+              <a:ext uri="{FF2B5EF4-FFF2-40B4-BE49-F238E27FC236}">
+                <a16:creationId xmlns:a16="http://schemas.microsoft.com/office/drawing/2014/main" id="{57D7BBB9-CAD1-42CD-A424-3F784A55031C}"/>
+              </a:ext>
+            </a:extLst>
+          </p:cNvPr>
+          <p:cNvSpPr txBox="1"/>
+          <p:nvPr/>
+        </p:nvSpPr>
+        <p:spPr>
+          <a:xfrm>
+            <a:off x="1625642" y="1726827"/>
+            <a:ext cx="10475113" cy="3139321"/>
+          </a:xfrm>
+          <a:prstGeom prst="rect">
+            <a:avLst/>
+          </a:prstGeom>
+          <a:noFill/>
+        </p:spPr>
+        <p:txBody>
+          <a:bodyPr wrap="square" rtlCol="0">
+            <a:spAutoFit/>
+          </a:bodyPr>
+          <a:lstStyle/>
+          <a:p>
+            <a:r>
+              <a:rPr lang="en-US" sz="2200" dirty="0">
+                <a:solidFill>
+                  <a:schemeClr val="bg1"/>
+                </a:solidFill>
+              </a:rPr>
+              <a:t>A financial goal is a specific, measurable, objective that individuals set to achieve with their finances. These goals help provide direction and purpose to financial planning and management. Financial goals can vary widely from person to person and can cover various aspects of personal finance. Examples:</a:t>
+            </a:r>
+          </a:p>
+          <a:p>
+            <a:endParaRPr lang="en-US" sz="2200" dirty="0">
+              <a:solidFill>
+                <a:schemeClr val="bg1"/>
+              </a:solidFill>
+            </a:endParaRPr>
+          </a:p>
+          <a:p>
+            <a:r>
+              <a:rPr lang="en-US" sz="2200" dirty="0">
+                <a:solidFill>
+                  <a:schemeClr val="bg1"/>
+                </a:solidFill>
+              </a:rPr>
+              <a:t>1. Education Fund: Save for your own education or your children's education, setting a target amount to cover tuition and related expenses.</a:t>
+            </a:r>
+          </a:p>
+          <a:p>
+            <a:r>
+              <a:rPr lang="en-US" sz="2200" dirty="0">
+                <a:solidFill>
+                  <a:schemeClr val="bg1"/>
+                </a:solidFill>
+              </a:rPr>
+              <a:t>2. Debt Repayment: Create a plan to pay off high-interest debts, such as credit card balances or student loans, within a certain timeframe.</a:t>
+            </a:r>
+            <a:endParaRPr lang="uk-UA" sz="2200" dirty="0">
+              <a:solidFill>
+                <a:schemeClr val="bg1"/>
+              </a:solidFill>
+            </a:endParaRPr>
+          </a:p>
+        </p:txBody>
+      </p:sp>
+    </p:spTree>
+    <p:extLst>
+      <p:ext uri="{BB962C8B-B14F-4D97-AF65-F5344CB8AC3E}">
+        <p14:creationId xmlns:p14="http://schemas.microsoft.com/office/powerpoint/2010/main" val="2207822306"/>
+      </p:ext>
+    </p:extLst>
+  </p:cSld>
+  <p:clrMapOvr>
+    <a:masterClrMapping/>
+  </p:clrMapOvr>
+</p:sld>
+</file>
+
+<file path=ppt/slides/slide7.xml><?xml version="1.0" encoding="utf-8"?>
 <p:sld xmlns:a="http://schemas.openxmlformats.org/drawingml/2006/main" xmlns:r="http://schemas.openxmlformats.org/officeDocument/2006/relationships" xmlns:p="http://schemas.openxmlformats.org/presentationml/2006/main">
   <p:cSld name="Slide 5">
     <p:spTree>
@@ -3813,7 +4370,7 @@
           <a:lstStyle/>
           <a:p>
             <a:r>
-              <a:rPr lang="en-US" sz="3000" dirty="0" smtClean="0">
+              <a:rPr lang="en-US" sz="3000" dirty="0">
                 <a:solidFill>
                   <a:srgbClr val="F2F0F4"/>
                 </a:solidFill>
@@ -3823,14 +4380,6 @@
               </a:rPr>
               <a:t>Money Wallet</a:t>
             </a:r>
-            <a:endParaRPr lang="en-US" sz="3000" dirty="0">
-              <a:solidFill>
-                <a:srgbClr val="F2F0F4"/>
-              </a:solidFill>
-              <a:latin typeface="Montserrat" pitchFamily="34" charset="0"/>
-              <a:ea typeface="Montserrat" pitchFamily="34" charset="-122"/>
-              <a:cs typeface="Montserrat" pitchFamily="34" charset="-120"/>
-            </a:endParaRPr>
           </a:p>
         </p:txBody>
       </p:sp>
@@ -3885,17 +4434,10 @@
   <p:clrMapOvr>
     <a:masterClrMapping/>
   </p:clrMapOvr>
-  <p:timing>
-    <p:tnLst>
-      <p:par>
-        <p:cTn id="1" dur="indefinite" restart="never" nodeType="tmRoot"/>
-      </p:par>
-    </p:tnLst>
-  </p:timing>
 </p:sld>
 </file>
 
-<file path=ppt/slides/slide6.xml><?xml version="1.0" encoding="utf-8"?>
+<file path=ppt/slides/slide8.xml><?xml version="1.0" encoding="utf-8"?>
 <p:sld xmlns:a="http://schemas.openxmlformats.org/drawingml/2006/main" xmlns:r="http://schemas.openxmlformats.org/officeDocument/2006/relationships" xmlns:p="http://schemas.openxmlformats.org/presentationml/2006/main">
   <p:cSld name="Slide 6">
     <p:spTree>
@@ -4107,7 +4649,7 @@
           <a:lstStyle/>
           <a:p>
             <a:r>
-              <a:rPr lang="en-US" sz="3000" dirty="0" smtClean="0">
+              <a:rPr lang="en-US" sz="3000" dirty="0">
                 <a:solidFill>
                   <a:srgbClr val="F2F0F4"/>
                 </a:solidFill>
@@ -4398,7 +4940,7 @@
           <a:p>
             <a:pPr algn="ctr"/>
             <a:r>
-              <a:rPr lang="en-US" dirty="0" smtClean="0">
+              <a:rPr lang="en-US" dirty="0">
                 <a:solidFill>
                   <a:schemeClr val="bg1"/>
                 </a:solidFill>
@@ -4418,17 +4960,10 @@
   <p:clrMapOvr>
     <a:masterClrMapping/>
   </p:clrMapOvr>
-  <p:timing>
-    <p:tnLst>
-      <p:par>
-        <p:cTn id="1" dur="indefinite" restart="never" nodeType="tmRoot"/>
-      </p:par>
-    </p:tnLst>
-  </p:timing>
 </p:sld>
 </file>
 
-<file path=ppt/slides/slide7.xml><?xml version="1.0" encoding="utf-8"?>
+<file path=ppt/slides/slide9.xml><?xml version="1.0" encoding="utf-8"?>
 <p:sld xmlns:a="http://schemas.openxmlformats.org/drawingml/2006/main" xmlns:r="http://schemas.openxmlformats.org/officeDocument/2006/relationships" xmlns:p="http://schemas.openxmlformats.org/presentationml/2006/main">
   <p:cSld name="Slide 7">
     <p:spTree>
@@ -4600,7 +5135,7 @@
           <a:lstStyle/>
           <a:p>
             <a:r>
-              <a:rPr lang="en-US" sz="3000" dirty="0" smtClean="0">
+              <a:rPr lang="en-US" sz="3000" dirty="0">
                 <a:solidFill>
                   <a:srgbClr val="F2F0F4"/>
                 </a:solidFill>
@@ -4884,47 +5419,23 @@
                   <a:schemeClr val="bg1"/>
                 </a:solidFill>
               </a:rPr>
-              <a:t>The ability to </a:t>
-            </a:r>
-            <a:r>
-              <a:rPr lang="en-US" dirty="0" smtClean="0">
+              <a:t>The ability to synchronize data</a:t>
+            </a:r>
+            <a:r>
+              <a:rPr lang="uk-UA" dirty="0">
                 <a:solidFill>
                   <a:schemeClr val="bg1"/>
                 </a:solidFill>
               </a:rPr>
-              <a:t>synchronize </a:t>
-            </a:r>
-            <a:r>
-              <a:rPr lang="en-US" dirty="0" smtClean="0">
+              <a:t> </a:t>
+            </a:r>
+            <a:r>
+              <a:rPr lang="en-US" dirty="0">
                 <a:solidFill>
                   <a:schemeClr val="bg1"/>
                 </a:solidFill>
               </a:rPr>
-              <a:t>data</a:t>
-            </a:r>
-            <a:r>
-              <a:rPr lang="uk-UA" dirty="0" smtClean="0">
-                <a:solidFill>
-                  <a:schemeClr val="bg1"/>
-                </a:solidFill>
-              </a:rPr>
-              <a:t> </a:t>
-            </a:r>
-            <a:r>
-              <a:rPr lang="en-US" dirty="0" smtClean="0">
-                <a:solidFill>
-                  <a:schemeClr val="bg1"/>
-                </a:solidFill>
-              </a:rPr>
-              <a:t>between </a:t>
-            </a:r>
-            <a:r>
-              <a:rPr lang="en-US" dirty="0">
-                <a:solidFill>
-                  <a:schemeClr val="bg1"/>
-                </a:solidFill>
-              </a:rPr>
-              <a:t>multiple devices.</a:t>
+              <a:t>between multiple devices.</a:t>
             </a:r>
             <a:endParaRPr lang="uk-UA" dirty="0">
               <a:solidFill>
@@ -4963,39 +5474,23 @@
                   <a:schemeClr val="bg1"/>
                 </a:solidFill>
               </a:rPr>
-              <a:t>Support for different types of accounts </a:t>
-            </a:r>
-            <a:r>
-              <a:rPr lang="en-US" dirty="0" smtClean="0">
+              <a:t>Support for different types of accounts and</a:t>
+            </a:r>
+            <a:r>
+              <a:rPr lang="uk-UA" dirty="0">
                 <a:solidFill>
                   <a:schemeClr val="bg1"/>
                 </a:solidFill>
               </a:rPr>
-              <a:t>and</a:t>
-            </a:r>
-            <a:r>
-              <a:rPr lang="uk-UA" dirty="0" smtClean="0">
+              <a:t> </a:t>
+            </a:r>
+            <a:r>
+              <a:rPr lang="en-US" dirty="0">
                 <a:solidFill>
                   <a:schemeClr val="bg1"/>
                 </a:solidFill>
               </a:rPr>
-              <a:t> </a:t>
-            </a:r>
-            <a:r>
-              <a:rPr lang="en-US" dirty="0" smtClean="0">
-                <a:solidFill>
-                  <a:schemeClr val="bg1"/>
-                </a:solidFill>
-              </a:rPr>
-              <a:t>currencies</a:t>
-            </a:r>
-            <a:r>
-              <a:rPr lang="en-US" dirty="0">
-                <a:solidFill>
-                  <a:schemeClr val="bg1"/>
-                </a:solidFill>
-              </a:rPr>
-              <a:t>.</a:t>
+              <a:t>currencies.</a:t>
             </a:r>
             <a:endParaRPr lang="uk-UA" dirty="0">
               <a:solidFill>
@@ -5034,39 +5529,23 @@
                   <a:schemeClr val="bg1"/>
                 </a:solidFill>
               </a:rPr>
-              <a:t>Some interface issues that may not </a:t>
-            </a:r>
-            <a:r>
-              <a:rPr lang="en-US" dirty="0" smtClean="0">
+              <a:t>Some interface issues that may not be</a:t>
+            </a:r>
+            <a:r>
+              <a:rPr lang="uk-UA" dirty="0">
                 <a:solidFill>
                   <a:schemeClr val="bg1"/>
                 </a:solidFill>
               </a:rPr>
-              <a:t>be</a:t>
-            </a:r>
-            <a:r>
-              <a:rPr lang="uk-UA" dirty="0" smtClean="0">
+              <a:t> </a:t>
+            </a:r>
+            <a:r>
+              <a:rPr lang="en-US" dirty="0">
                 <a:solidFill>
                   <a:schemeClr val="bg1"/>
                 </a:solidFill>
               </a:rPr>
-              <a:t> </a:t>
-            </a:r>
-            <a:r>
-              <a:rPr lang="en-US" dirty="0" smtClean="0">
-                <a:solidFill>
-                  <a:schemeClr val="bg1"/>
-                </a:solidFill>
-              </a:rPr>
-              <a:t>entirely </a:t>
-            </a:r>
-            <a:r>
-              <a:rPr lang="en-US" dirty="0">
-                <a:solidFill>
-                  <a:schemeClr val="bg1"/>
-                </a:solidFill>
-              </a:rPr>
-              <a:t>user-friendly.</a:t>
+              <a:t>entirely user-friendly.</a:t>
             </a:r>
             <a:endParaRPr lang="uk-UA" dirty="0">
               <a:solidFill>
@@ -5105,23 +5584,7 @@
                   <a:schemeClr val="bg1"/>
                 </a:solidFill>
               </a:rPr>
-              <a:t>The software is </a:t>
-            </a:r>
-            <a:r>
-              <a:rPr lang="en-US" dirty="0" smtClean="0">
-                <a:solidFill>
-                  <a:schemeClr val="bg1"/>
-                </a:solidFill>
-              </a:rPr>
-              <a:t>paid</a:t>
-            </a:r>
-            <a:r>
-              <a:rPr lang="en-US" dirty="0">
-                <a:solidFill>
-                  <a:schemeClr val="bg1"/>
-                </a:solidFill>
-              </a:rPr>
-              <a:t>.</a:t>
+              <a:t>The software is paid.</a:t>
             </a:r>
             <a:endParaRPr lang="uk-UA" dirty="0">
               <a:solidFill>
@@ -5160,23 +5623,7 @@
                   <a:schemeClr val="bg1"/>
                 </a:solidFill>
               </a:rPr>
-              <a:t>The trial version has limitations on the number </a:t>
-            </a:r>
-            <a:r>
-              <a:rPr lang="en-US" dirty="0" smtClean="0">
-                <a:solidFill>
-                  <a:schemeClr val="bg1"/>
-                </a:solidFill>
-              </a:rPr>
-              <a:t>of </a:t>
-            </a:r>
-            <a:r>
-              <a:rPr lang="en-US" dirty="0">
-                <a:solidFill>
-                  <a:schemeClr val="bg1"/>
-                </a:solidFill>
-              </a:rPr>
-              <a:t>accounts, groups, scheduled transactions and budgets.</a:t>
+              <a:t>The trial version has limitations on the number of accounts, groups, scheduled transactions and budgets.</a:t>
             </a:r>
             <a:endParaRPr lang="uk-UA" dirty="0">
               <a:solidFill>
@@ -5230,13 +5677,6 @@
   <p:clrMapOvr>
     <a:masterClrMapping/>
   </p:clrMapOvr>
-  <p:timing>
-    <p:tnLst>
-      <p:par>
-        <p:cTn id="1" dur="indefinite" restart="never" nodeType="tmRoot"/>
-      </p:par>
-    </p:tnLst>
-  </p:timing>
 </p:sld>
 </file>
 
